--- a/Image/mvvm_이미지생성문서.pptx
+++ b/Image/mvvm_이미지생성문서.pptx
@@ -7,6 +7,7 @@
   <p:sldIdLst>
     <p:sldId id="256" r:id="rId2"/>
     <p:sldId id="257" r:id="rId3"/>
+    <p:sldId id="258" r:id="rId4"/>
   </p:sldIdLst>
   <p:sldSz cx="9144000" cy="6858000" type="screen4x3"/>
   <p:notesSz cx="6858000" cy="9144000"/>
@@ -289,7 +290,7 @@
           <a:p>
             <a:fld id="{D4E0241A-E912-4470-A601-D311B3E44B1A}" type="datetimeFigureOut">
               <a:rPr lang="ko-KR" altLang="en-US" smtClean="0"/>
-              <a:t>2018-02-20</a:t>
+              <a:t>2018-02-21</a:t>
             </a:fld>
             <a:endParaRPr lang="ko-KR" altLang="en-US"/>
           </a:p>
@@ -459,7 +460,7 @@
           <a:p>
             <a:fld id="{D4E0241A-E912-4470-A601-D311B3E44B1A}" type="datetimeFigureOut">
               <a:rPr lang="ko-KR" altLang="en-US" smtClean="0"/>
-              <a:t>2018-02-20</a:t>
+              <a:t>2018-02-21</a:t>
             </a:fld>
             <a:endParaRPr lang="ko-KR" altLang="en-US"/>
           </a:p>
@@ -639,7 +640,7 @@
           <a:p>
             <a:fld id="{D4E0241A-E912-4470-A601-D311B3E44B1A}" type="datetimeFigureOut">
               <a:rPr lang="ko-KR" altLang="en-US" smtClean="0"/>
-              <a:t>2018-02-20</a:t>
+              <a:t>2018-02-21</a:t>
             </a:fld>
             <a:endParaRPr lang="ko-KR" altLang="en-US"/>
           </a:p>
@@ -809,7 +810,7 @@
           <a:p>
             <a:fld id="{D4E0241A-E912-4470-A601-D311B3E44B1A}" type="datetimeFigureOut">
               <a:rPr lang="ko-KR" altLang="en-US" smtClean="0"/>
-              <a:t>2018-02-20</a:t>
+              <a:t>2018-02-21</a:t>
             </a:fld>
             <a:endParaRPr lang="ko-KR" altLang="en-US"/>
           </a:p>
@@ -1055,7 +1056,7 @@
           <a:p>
             <a:fld id="{D4E0241A-E912-4470-A601-D311B3E44B1A}" type="datetimeFigureOut">
               <a:rPr lang="ko-KR" altLang="en-US" smtClean="0"/>
-              <a:t>2018-02-20</a:t>
+              <a:t>2018-02-21</a:t>
             </a:fld>
             <a:endParaRPr lang="ko-KR" altLang="en-US"/>
           </a:p>
@@ -1343,7 +1344,7 @@
           <a:p>
             <a:fld id="{D4E0241A-E912-4470-A601-D311B3E44B1A}" type="datetimeFigureOut">
               <a:rPr lang="ko-KR" altLang="en-US" smtClean="0"/>
-              <a:t>2018-02-20</a:t>
+              <a:t>2018-02-21</a:t>
             </a:fld>
             <a:endParaRPr lang="ko-KR" altLang="en-US"/>
           </a:p>
@@ -1765,7 +1766,7 @@
           <a:p>
             <a:fld id="{D4E0241A-E912-4470-A601-D311B3E44B1A}" type="datetimeFigureOut">
               <a:rPr lang="ko-KR" altLang="en-US" smtClean="0"/>
-              <a:t>2018-02-20</a:t>
+              <a:t>2018-02-21</a:t>
             </a:fld>
             <a:endParaRPr lang="ko-KR" altLang="en-US"/>
           </a:p>
@@ -1883,7 +1884,7 @@
           <a:p>
             <a:fld id="{D4E0241A-E912-4470-A601-D311B3E44B1A}" type="datetimeFigureOut">
               <a:rPr lang="ko-KR" altLang="en-US" smtClean="0"/>
-              <a:t>2018-02-20</a:t>
+              <a:t>2018-02-21</a:t>
             </a:fld>
             <a:endParaRPr lang="ko-KR" altLang="en-US"/>
           </a:p>
@@ -1978,7 +1979,7 @@
           <a:p>
             <a:fld id="{D4E0241A-E912-4470-A601-D311B3E44B1A}" type="datetimeFigureOut">
               <a:rPr lang="ko-KR" altLang="en-US" smtClean="0"/>
-              <a:t>2018-02-20</a:t>
+              <a:t>2018-02-21</a:t>
             </a:fld>
             <a:endParaRPr lang="ko-KR" altLang="en-US"/>
           </a:p>
@@ -2255,7 +2256,7 @@
           <a:p>
             <a:fld id="{D4E0241A-E912-4470-A601-D311B3E44B1A}" type="datetimeFigureOut">
               <a:rPr lang="ko-KR" altLang="en-US" smtClean="0"/>
-              <a:t>2018-02-20</a:t>
+              <a:t>2018-02-21</a:t>
             </a:fld>
             <a:endParaRPr lang="ko-KR" altLang="en-US"/>
           </a:p>
@@ -2508,7 +2509,7 @@
           <a:p>
             <a:fld id="{D4E0241A-E912-4470-A601-D311B3E44B1A}" type="datetimeFigureOut">
               <a:rPr lang="ko-KR" altLang="en-US" smtClean="0"/>
-              <a:t>2018-02-20</a:t>
+              <a:t>2018-02-21</a:t>
             </a:fld>
             <a:endParaRPr lang="ko-KR" altLang="en-US"/>
           </a:p>
@@ -2721,7 +2722,7 @@
           <a:p>
             <a:fld id="{D4E0241A-E912-4470-A601-D311B3E44B1A}" type="datetimeFigureOut">
               <a:rPr lang="ko-KR" altLang="en-US" smtClean="0"/>
-              <a:t>2018-02-20</a:t>
+              <a:t>2018-02-21</a:t>
             </a:fld>
             <a:endParaRPr lang="ko-KR" altLang="en-US"/>
           </a:p>
@@ -3835,11 +3836,7 @@
             </a:r>
             <a:r>
               <a:rPr lang="ko-KR" altLang="en-US" b="1" dirty="0" smtClean="0"/>
-              <a:t>을 흐름으로 </a:t>
-            </a:r>
-            <a:r>
-              <a:rPr lang="ko-KR" altLang="en-US" b="1" dirty="0" smtClean="0"/>
-              <a:t>생각해 본다면</a:t>
+              <a:t>을 흐름으로 생각해 본다면</a:t>
             </a:r>
             <a:r>
               <a:rPr lang="en-US" altLang="ko-KR" b="1" dirty="0" smtClean="0"/>
@@ -4549,6 +4546,2619 @@
     <p:extLst>
       <p:ext uri="{BB962C8B-B14F-4D97-AF65-F5344CB8AC3E}">
         <p14:creationId xmlns:p14="http://schemas.microsoft.com/office/powerpoint/2010/main" val="3094271845"/>
+      </p:ext>
+    </p:extLst>
+  </p:cSld>
+  <p:clrMapOvr>
+    <a:masterClrMapping/>
+  </p:clrMapOvr>
+</p:sld>
+</file>
+
+<file path=ppt/slides/slide3.xml><?xml version="1.0" encoding="utf-8"?>
+<p:sld xmlns:a="http://schemas.openxmlformats.org/drawingml/2006/main" xmlns:r="http://schemas.openxmlformats.org/officeDocument/2006/relationships" xmlns:p="http://schemas.openxmlformats.org/presentationml/2006/main">
+  <p:cSld>
+    <p:spTree>
+      <p:nvGrpSpPr>
+        <p:cNvPr id="1" name=""/>
+        <p:cNvGrpSpPr/>
+        <p:nvPr/>
+      </p:nvGrpSpPr>
+      <p:grpSpPr>
+        <a:xfrm>
+          <a:off x="0" y="0"/>
+          <a:ext cx="0" cy="0"/>
+          <a:chOff x="0" y="0"/>
+          <a:chExt cx="0" cy="0"/>
+        </a:xfrm>
+      </p:grpSpPr>
+      <p:grpSp>
+        <p:nvGrpSpPr>
+          <p:cNvPr id="2" name="그룹 1"/>
+          <p:cNvGrpSpPr/>
+          <p:nvPr/>
+        </p:nvGrpSpPr>
+        <p:grpSpPr>
+          <a:xfrm>
+            <a:off x="278640" y="476258"/>
+            <a:ext cx="5378751" cy="3758029"/>
+            <a:chOff x="129353" y="338243"/>
+            <a:chExt cx="7967637" cy="6379844"/>
+          </a:xfrm>
+        </p:grpSpPr>
+        <p:sp>
+          <p:nvSpPr>
+            <p:cNvPr id="7" name="직사각형 6"/>
+            <p:cNvSpPr/>
+            <p:nvPr/>
+          </p:nvSpPr>
+          <p:spPr>
+            <a:xfrm>
+              <a:off x="1079610" y="2561411"/>
+              <a:ext cx="2174710" cy="1680140"/>
+            </a:xfrm>
+            <a:prstGeom prst="rect">
+              <a:avLst/>
+            </a:prstGeom>
+            <a:solidFill>
+              <a:schemeClr val="accent2"/>
+            </a:solidFill>
+          </p:spPr>
+          <p:style>
+            <a:lnRef idx="2">
+              <a:schemeClr val="accent1">
+                <a:shade val="50000"/>
+              </a:schemeClr>
+            </a:lnRef>
+            <a:fillRef idx="1">
+              <a:schemeClr val="accent1"/>
+            </a:fillRef>
+            <a:effectRef idx="0">
+              <a:schemeClr val="accent1"/>
+            </a:effectRef>
+            <a:fontRef idx="minor">
+              <a:schemeClr val="lt1"/>
+            </a:fontRef>
+          </p:style>
+          <p:txBody>
+            <a:bodyPr rtlCol="0" anchor="ctr"/>
+            <a:lstStyle/>
+            <a:p>
+              <a:pPr algn="ctr"/>
+              <a:r>
+                <a:rPr lang="en-US" altLang="ko-KR" dirty="0" err="1" smtClean="0"/>
+                <a:t>ViewModel</a:t>
+              </a:r>
+              <a:endParaRPr lang="ko-KR" altLang="en-US" dirty="0"/>
+            </a:p>
+          </p:txBody>
+        </p:sp>
+        <p:sp>
+          <p:nvSpPr>
+            <p:cNvPr id="8" name="직사각형 7"/>
+            <p:cNvSpPr/>
+            <p:nvPr/>
+          </p:nvSpPr>
+          <p:spPr>
+            <a:xfrm>
+              <a:off x="4642789" y="2759985"/>
+              <a:ext cx="1584176" cy="1584176"/>
+            </a:xfrm>
+            <a:prstGeom prst="rect">
+              <a:avLst/>
+            </a:prstGeom>
+            <a:solidFill>
+              <a:srgbClr val="FFC000"/>
+            </a:solidFill>
+          </p:spPr>
+          <p:style>
+            <a:lnRef idx="2">
+              <a:schemeClr val="accent1">
+                <a:shade val="50000"/>
+              </a:schemeClr>
+            </a:lnRef>
+            <a:fillRef idx="1">
+              <a:schemeClr val="accent1"/>
+            </a:fillRef>
+            <a:effectRef idx="0">
+              <a:schemeClr val="accent1"/>
+            </a:effectRef>
+            <a:fontRef idx="minor">
+              <a:schemeClr val="lt1"/>
+            </a:fontRef>
+          </p:style>
+          <p:txBody>
+            <a:bodyPr rtlCol="0" anchor="ctr"/>
+            <a:lstStyle/>
+            <a:p>
+              <a:pPr algn="ctr"/>
+              <a:r>
+                <a:rPr lang="en-US" altLang="ko-KR" dirty="0" smtClean="0"/>
+                <a:t>Model</a:t>
+              </a:r>
+              <a:endParaRPr lang="ko-KR" altLang="en-US" dirty="0"/>
+            </a:p>
+          </p:txBody>
+        </p:sp>
+        <p:sp>
+          <p:nvSpPr>
+            <p:cNvPr id="22" name="직사각형 21"/>
+            <p:cNvSpPr/>
+            <p:nvPr/>
+          </p:nvSpPr>
+          <p:spPr>
+            <a:xfrm>
+              <a:off x="4279288" y="2609393"/>
+              <a:ext cx="1584176" cy="1584176"/>
+            </a:xfrm>
+            <a:prstGeom prst="rect">
+              <a:avLst/>
+            </a:prstGeom>
+            <a:solidFill>
+              <a:srgbClr val="FFC000"/>
+            </a:solidFill>
+          </p:spPr>
+          <p:style>
+            <a:lnRef idx="2">
+              <a:schemeClr val="accent1">
+                <a:shade val="50000"/>
+              </a:schemeClr>
+            </a:lnRef>
+            <a:fillRef idx="1">
+              <a:schemeClr val="accent1"/>
+            </a:fillRef>
+            <a:effectRef idx="0">
+              <a:schemeClr val="accent1"/>
+            </a:effectRef>
+            <a:fontRef idx="minor">
+              <a:schemeClr val="lt1"/>
+            </a:fontRef>
+          </p:style>
+          <p:txBody>
+            <a:bodyPr rtlCol="0" anchor="ctr"/>
+            <a:lstStyle/>
+            <a:p>
+              <a:pPr algn="ctr"/>
+              <a:r>
+                <a:rPr lang="en-US" altLang="ko-KR" dirty="0" smtClean="0"/>
+                <a:t>Model</a:t>
+              </a:r>
+              <a:endParaRPr lang="ko-KR" altLang="en-US" dirty="0"/>
+            </a:p>
+          </p:txBody>
+        </p:sp>
+        <p:sp>
+          <p:nvSpPr>
+            <p:cNvPr id="25" name="직사각형 24"/>
+            <p:cNvSpPr/>
+            <p:nvPr/>
+          </p:nvSpPr>
+          <p:spPr>
+            <a:xfrm>
+              <a:off x="1350932" y="4854682"/>
+              <a:ext cx="1584176" cy="1584176"/>
+            </a:xfrm>
+            <a:prstGeom prst="rect">
+              <a:avLst/>
+            </a:prstGeom>
+            <a:solidFill>
+              <a:schemeClr val="accent4"/>
+            </a:solidFill>
+          </p:spPr>
+          <p:style>
+            <a:lnRef idx="2">
+              <a:schemeClr val="accent1">
+                <a:shade val="50000"/>
+              </a:schemeClr>
+            </a:lnRef>
+            <a:fillRef idx="1">
+              <a:schemeClr val="accent1"/>
+            </a:fillRef>
+            <a:effectRef idx="0">
+              <a:schemeClr val="accent1"/>
+            </a:effectRef>
+            <a:fontRef idx="minor">
+              <a:schemeClr val="lt1"/>
+            </a:fontRef>
+          </p:style>
+          <p:txBody>
+            <a:bodyPr rtlCol="0" anchor="ctr"/>
+            <a:lstStyle/>
+            <a:p>
+              <a:pPr algn="ctr"/>
+              <a:r>
+                <a:rPr lang="en-US" altLang="ko-KR" dirty="0" smtClean="0"/>
+                <a:t>Service</a:t>
+              </a:r>
+              <a:endParaRPr lang="ko-KR" altLang="en-US" dirty="0"/>
+            </a:p>
+          </p:txBody>
+        </p:sp>
+        <p:sp>
+          <p:nvSpPr>
+            <p:cNvPr id="26" name="직사각형 25"/>
+            <p:cNvSpPr/>
+            <p:nvPr/>
+          </p:nvSpPr>
+          <p:spPr>
+            <a:xfrm>
+              <a:off x="1079610" y="4654230"/>
+              <a:ext cx="1584176" cy="1584176"/>
+            </a:xfrm>
+            <a:prstGeom prst="rect">
+              <a:avLst/>
+            </a:prstGeom>
+            <a:solidFill>
+              <a:schemeClr val="accent4"/>
+            </a:solidFill>
+          </p:spPr>
+          <p:style>
+            <a:lnRef idx="2">
+              <a:schemeClr val="accent1">
+                <a:shade val="50000"/>
+              </a:schemeClr>
+            </a:lnRef>
+            <a:fillRef idx="1">
+              <a:schemeClr val="accent1"/>
+            </a:fillRef>
+            <a:effectRef idx="0">
+              <a:schemeClr val="accent1"/>
+            </a:effectRef>
+            <a:fontRef idx="minor">
+              <a:schemeClr val="lt1"/>
+            </a:fontRef>
+          </p:style>
+          <p:txBody>
+            <a:bodyPr rtlCol="0" anchor="ctr"/>
+            <a:lstStyle/>
+            <a:p>
+              <a:pPr algn="ctr"/>
+              <a:r>
+                <a:rPr lang="en-US" altLang="ko-KR" dirty="0" smtClean="0"/>
+                <a:t>Service</a:t>
+              </a:r>
+              <a:endParaRPr lang="ko-KR" altLang="en-US" dirty="0"/>
+            </a:p>
+          </p:txBody>
+        </p:sp>
+        <p:sp>
+          <p:nvSpPr>
+            <p:cNvPr id="27" name="직사각형 26"/>
+            <p:cNvSpPr/>
+            <p:nvPr/>
+          </p:nvSpPr>
+          <p:spPr>
+            <a:xfrm>
+              <a:off x="1079610" y="707574"/>
+              <a:ext cx="1584176" cy="1584176"/>
+            </a:xfrm>
+            <a:prstGeom prst="rect">
+              <a:avLst/>
+            </a:prstGeom>
+            <a:solidFill>
+              <a:schemeClr val="accent5"/>
+            </a:solidFill>
+          </p:spPr>
+          <p:style>
+            <a:lnRef idx="2">
+              <a:schemeClr val="accent1">
+                <a:shade val="50000"/>
+              </a:schemeClr>
+            </a:lnRef>
+            <a:fillRef idx="1">
+              <a:schemeClr val="accent1"/>
+            </a:fillRef>
+            <a:effectRef idx="0">
+              <a:schemeClr val="accent1"/>
+            </a:effectRef>
+            <a:fontRef idx="minor">
+              <a:schemeClr val="lt1"/>
+            </a:fontRef>
+          </p:style>
+          <p:txBody>
+            <a:bodyPr rtlCol="0" anchor="ctr"/>
+            <a:lstStyle/>
+            <a:p>
+              <a:pPr algn="ctr"/>
+              <a:r>
+                <a:rPr lang="en-US" altLang="ko-KR" dirty="0" smtClean="0"/>
+                <a:t>View</a:t>
+              </a:r>
+              <a:endParaRPr lang="ko-KR" altLang="en-US" dirty="0"/>
+            </a:p>
+          </p:txBody>
+        </p:sp>
+        <p:cxnSp>
+          <p:nvCxnSpPr>
+            <p:cNvPr id="3" name="직선 연결선 2"/>
+            <p:cNvCxnSpPr>
+              <a:stCxn id="27" idx="2"/>
+            </p:cNvCxnSpPr>
+            <p:nvPr/>
+          </p:nvCxnSpPr>
+          <p:spPr>
+            <a:xfrm>
+              <a:off x="1871698" y="2291750"/>
+              <a:ext cx="0" cy="269661"/>
+            </a:xfrm>
+            <a:prstGeom prst="line">
+              <a:avLst/>
+            </a:prstGeom>
+          </p:spPr>
+          <p:style>
+            <a:lnRef idx="1">
+              <a:schemeClr val="accent1"/>
+            </a:lnRef>
+            <a:fillRef idx="0">
+              <a:schemeClr val="accent1"/>
+            </a:fillRef>
+            <a:effectRef idx="0">
+              <a:schemeClr val="accent1"/>
+            </a:effectRef>
+            <a:fontRef idx="minor">
+              <a:schemeClr val="tx1"/>
+            </a:fontRef>
+          </p:style>
+        </p:cxnSp>
+        <p:cxnSp>
+          <p:nvCxnSpPr>
+            <p:cNvPr id="12" name="직선 연결선 11"/>
+            <p:cNvCxnSpPr>
+              <a:endCxn id="26" idx="0"/>
+            </p:cNvCxnSpPr>
+            <p:nvPr/>
+          </p:nvCxnSpPr>
+          <p:spPr>
+            <a:xfrm>
+              <a:off x="1871698" y="4241551"/>
+              <a:ext cx="0" cy="412679"/>
+            </a:xfrm>
+            <a:prstGeom prst="line">
+              <a:avLst/>
+            </a:prstGeom>
+          </p:spPr>
+          <p:style>
+            <a:lnRef idx="1">
+              <a:schemeClr val="accent1"/>
+            </a:lnRef>
+            <a:fillRef idx="0">
+              <a:schemeClr val="accent1"/>
+            </a:fillRef>
+            <a:effectRef idx="0">
+              <a:schemeClr val="accent1"/>
+            </a:effectRef>
+            <a:fontRef idx="minor">
+              <a:schemeClr val="tx1"/>
+            </a:fontRef>
+          </p:style>
+        </p:cxnSp>
+        <p:cxnSp>
+          <p:nvCxnSpPr>
+            <p:cNvPr id="29" name="직선 연결선 28"/>
+            <p:cNvCxnSpPr>
+              <a:stCxn id="7" idx="3"/>
+              <a:endCxn id="22" idx="1"/>
+            </p:cNvCxnSpPr>
+            <p:nvPr/>
+          </p:nvCxnSpPr>
+          <p:spPr>
+            <a:xfrm>
+              <a:off x="3254320" y="3401481"/>
+              <a:ext cx="1024968" cy="0"/>
+            </a:xfrm>
+            <a:prstGeom prst="line">
+              <a:avLst/>
+            </a:prstGeom>
+          </p:spPr>
+          <p:style>
+            <a:lnRef idx="1">
+              <a:schemeClr val="accent1"/>
+            </a:lnRef>
+            <a:fillRef idx="0">
+              <a:schemeClr val="accent1"/>
+            </a:fillRef>
+            <a:effectRef idx="0">
+              <a:schemeClr val="accent1"/>
+            </a:effectRef>
+            <a:fontRef idx="minor">
+              <a:schemeClr val="tx1"/>
+            </a:fontRef>
+          </p:style>
+        </p:cxnSp>
+        <p:sp>
+          <p:nvSpPr>
+            <p:cNvPr id="31" name="TextBox 30"/>
+            <p:cNvSpPr txBox="1"/>
+            <p:nvPr/>
+          </p:nvSpPr>
+          <p:spPr>
+            <a:xfrm>
+              <a:off x="6497077" y="4009245"/>
+              <a:ext cx="336952" cy="338554"/>
+            </a:xfrm>
+            <a:prstGeom prst="rect">
+              <a:avLst/>
+            </a:prstGeom>
+            <a:noFill/>
+          </p:spPr>
+          <p:txBody>
+            <a:bodyPr wrap="none" rtlCol="0">
+              <a:spAutoFit/>
+            </a:bodyPr>
+            <a:lstStyle/>
+            <a:p>
+              <a:r>
+                <a:rPr lang="en-US" altLang="ko-KR" sz="1600" dirty="0" smtClean="0"/>
+                <a:t>…</a:t>
+              </a:r>
+              <a:endParaRPr lang="ko-KR" altLang="en-US" sz="1600" dirty="0"/>
+            </a:p>
+          </p:txBody>
+        </p:sp>
+        <p:sp>
+          <p:nvSpPr>
+            <p:cNvPr id="32" name="TextBox 31"/>
+            <p:cNvSpPr txBox="1"/>
+            <p:nvPr/>
+          </p:nvSpPr>
+          <p:spPr>
+            <a:xfrm>
+              <a:off x="3085844" y="6100304"/>
+              <a:ext cx="336952" cy="338554"/>
+            </a:xfrm>
+            <a:prstGeom prst="rect">
+              <a:avLst/>
+            </a:prstGeom>
+            <a:noFill/>
+          </p:spPr>
+          <p:txBody>
+            <a:bodyPr wrap="none" rtlCol="0">
+              <a:spAutoFit/>
+            </a:bodyPr>
+            <a:lstStyle/>
+            <a:p>
+              <a:r>
+                <a:rPr lang="en-US" altLang="ko-KR" sz="1600" dirty="0" smtClean="0"/>
+                <a:t>…</a:t>
+              </a:r>
+              <a:endParaRPr lang="ko-KR" altLang="en-US" sz="1600" dirty="0"/>
+            </a:p>
+          </p:txBody>
+        </p:sp>
+        <p:sp>
+          <p:nvSpPr>
+            <p:cNvPr id="33" name="직사각형 32"/>
+            <p:cNvSpPr/>
+            <p:nvPr/>
+          </p:nvSpPr>
+          <p:spPr>
+            <a:xfrm>
+              <a:off x="129353" y="338243"/>
+              <a:ext cx="3722567" cy="4109647"/>
+            </a:xfrm>
+            <a:prstGeom prst="rect">
+              <a:avLst/>
+            </a:prstGeom>
+            <a:noFill/>
+            <a:ln>
+              <a:solidFill>
+                <a:schemeClr val="accent5"/>
+              </a:solidFill>
+            </a:ln>
+          </p:spPr>
+          <p:style>
+            <a:lnRef idx="2">
+              <a:schemeClr val="accent1">
+                <a:shade val="50000"/>
+              </a:schemeClr>
+            </a:lnRef>
+            <a:fillRef idx="1">
+              <a:schemeClr val="accent1"/>
+            </a:fillRef>
+            <a:effectRef idx="0">
+              <a:schemeClr val="accent1"/>
+            </a:effectRef>
+            <a:fontRef idx="minor">
+              <a:schemeClr val="lt1"/>
+            </a:fontRef>
+          </p:style>
+          <p:txBody>
+            <a:bodyPr rtlCol="0" anchor="ctr"/>
+            <a:lstStyle/>
+            <a:p>
+              <a:pPr algn="ctr"/>
+              <a:endParaRPr lang="ko-KR" altLang="en-US" dirty="0"/>
+            </a:p>
+          </p:txBody>
+        </p:sp>
+        <p:sp>
+          <p:nvSpPr>
+            <p:cNvPr id="34" name="직사각형 33"/>
+            <p:cNvSpPr/>
+            <p:nvPr/>
+          </p:nvSpPr>
+          <p:spPr>
+            <a:xfrm>
+              <a:off x="461585" y="2393066"/>
+              <a:ext cx="7635405" cy="4325021"/>
+            </a:xfrm>
+            <a:prstGeom prst="rect">
+              <a:avLst/>
+            </a:prstGeom>
+            <a:noFill/>
+            <a:ln w="28575">
+              <a:solidFill>
+                <a:srgbClr val="FFC000"/>
+              </a:solidFill>
+            </a:ln>
+          </p:spPr>
+          <p:style>
+            <a:lnRef idx="2">
+              <a:schemeClr val="accent1">
+                <a:shade val="50000"/>
+              </a:schemeClr>
+            </a:lnRef>
+            <a:fillRef idx="1">
+              <a:schemeClr val="accent1"/>
+            </a:fillRef>
+            <a:effectRef idx="0">
+              <a:schemeClr val="accent1"/>
+            </a:effectRef>
+            <a:fontRef idx="minor">
+              <a:schemeClr val="lt1"/>
+            </a:fontRef>
+          </p:style>
+          <p:txBody>
+            <a:bodyPr rtlCol="0" anchor="ctr"/>
+            <a:lstStyle/>
+            <a:p>
+              <a:pPr algn="ctr"/>
+              <a:endParaRPr lang="ko-KR" altLang="en-US"/>
+            </a:p>
+          </p:txBody>
+        </p:sp>
+        <p:sp>
+          <p:nvSpPr>
+            <p:cNvPr id="35" name="직사각형 34"/>
+            <p:cNvSpPr/>
+            <p:nvPr/>
+          </p:nvSpPr>
+          <p:spPr>
+            <a:xfrm>
+              <a:off x="652465" y="522908"/>
+              <a:ext cx="1584176" cy="1584176"/>
+            </a:xfrm>
+            <a:prstGeom prst="rect">
+              <a:avLst/>
+            </a:prstGeom>
+            <a:solidFill>
+              <a:schemeClr val="accent5"/>
+            </a:solidFill>
+          </p:spPr>
+          <p:style>
+            <a:lnRef idx="2">
+              <a:schemeClr val="accent1">
+                <a:shade val="50000"/>
+              </a:schemeClr>
+            </a:lnRef>
+            <a:fillRef idx="1">
+              <a:schemeClr val="accent1"/>
+            </a:fillRef>
+            <a:effectRef idx="0">
+              <a:schemeClr val="accent1"/>
+            </a:effectRef>
+            <a:fontRef idx="minor">
+              <a:schemeClr val="lt1"/>
+            </a:fontRef>
+          </p:style>
+          <p:txBody>
+            <a:bodyPr rtlCol="0" anchor="ctr"/>
+            <a:lstStyle/>
+            <a:p>
+              <a:pPr algn="ctr"/>
+              <a:r>
+                <a:rPr lang="en-US" altLang="ko-KR" dirty="0" smtClean="0"/>
+                <a:t>View</a:t>
+              </a:r>
+              <a:endParaRPr lang="ko-KR" altLang="en-US" dirty="0"/>
+            </a:p>
+          </p:txBody>
+        </p:sp>
+      </p:grpSp>
+      <p:grpSp>
+        <p:nvGrpSpPr>
+          <p:cNvPr id="18" name="그룹 17"/>
+          <p:cNvGrpSpPr/>
+          <p:nvPr/>
+        </p:nvGrpSpPr>
+        <p:grpSpPr>
+          <a:xfrm>
+            <a:off x="6101993" y="2729299"/>
+            <a:ext cx="5378751" cy="3758029"/>
+            <a:chOff x="129353" y="338243"/>
+            <a:chExt cx="7967637" cy="6379844"/>
+          </a:xfrm>
+        </p:grpSpPr>
+        <p:sp>
+          <p:nvSpPr>
+            <p:cNvPr id="19" name="직사각형 18"/>
+            <p:cNvSpPr/>
+            <p:nvPr/>
+          </p:nvSpPr>
+          <p:spPr>
+            <a:xfrm>
+              <a:off x="1079610" y="2561411"/>
+              <a:ext cx="2174710" cy="1680140"/>
+            </a:xfrm>
+            <a:prstGeom prst="rect">
+              <a:avLst/>
+            </a:prstGeom>
+            <a:solidFill>
+              <a:schemeClr val="accent2"/>
+            </a:solidFill>
+          </p:spPr>
+          <p:style>
+            <a:lnRef idx="2">
+              <a:schemeClr val="accent1">
+                <a:shade val="50000"/>
+              </a:schemeClr>
+            </a:lnRef>
+            <a:fillRef idx="1">
+              <a:schemeClr val="accent1"/>
+            </a:fillRef>
+            <a:effectRef idx="0">
+              <a:schemeClr val="accent1"/>
+            </a:effectRef>
+            <a:fontRef idx="minor">
+              <a:schemeClr val="lt1"/>
+            </a:fontRef>
+          </p:style>
+          <p:txBody>
+            <a:bodyPr rtlCol="0" anchor="ctr"/>
+            <a:lstStyle/>
+            <a:p>
+              <a:pPr algn="ctr"/>
+              <a:r>
+                <a:rPr lang="en-US" altLang="ko-KR" dirty="0" err="1" smtClean="0"/>
+                <a:t>ViewModel</a:t>
+              </a:r>
+              <a:endParaRPr lang="ko-KR" altLang="en-US" dirty="0"/>
+            </a:p>
+          </p:txBody>
+        </p:sp>
+        <p:sp>
+          <p:nvSpPr>
+            <p:cNvPr id="20" name="직사각형 19"/>
+            <p:cNvSpPr/>
+            <p:nvPr/>
+          </p:nvSpPr>
+          <p:spPr>
+            <a:xfrm>
+              <a:off x="4642789" y="2759985"/>
+              <a:ext cx="1584176" cy="1584176"/>
+            </a:xfrm>
+            <a:prstGeom prst="rect">
+              <a:avLst/>
+            </a:prstGeom>
+            <a:solidFill>
+              <a:srgbClr val="FFC000"/>
+            </a:solidFill>
+          </p:spPr>
+          <p:style>
+            <a:lnRef idx="2">
+              <a:schemeClr val="accent1">
+                <a:shade val="50000"/>
+              </a:schemeClr>
+            </a:lnRef>
+            <a:fillRef idx="1">
+              <a:schemeClr val="accent1"/>
+            </a:fillRef>
+            <a:effectRef idx="0">
+              <a:schemeClr val="accent1"/>
+            </a:effectRef>
+            <a:fontRef idx="minor">
+              <a:schemeClr val="lt1"/>
+            </a:fontRef>
+          </p:style>
+          <p:txBody>
+            <a:bodyPr rtlCol="0" anchor="ctr"/>
+            <a:lstStyle/>
+            <a:p>
+              <a:pPr algn="ctr"/>
+              <a:r>
+                <a:rPr lang="en-US" altLang="ko-KR" dirty="0" smtClean="0"/>
+                <a:t>Model</a:t>
+              </a:r>
+              <a:endParaRPr lang="ko-KR" altLang="en-US" dirty="0"/>
+            </a:p>
+          </p:txBody>
+        </p:sp>
+        <p:sp>
+          <p:nvSpPr>
+            <p:cNvPr id="21" name="직사각형 20"/>
+            <p:cNvSpPr/>
+            <p:nvPr/>
+          </p:nvSpPr>
+          <p:spPr>
+            <a:xfrm>
+              <a:off x="4279288" y="2609393"/>
+              <a:ext cx="1584176" cy="1584176"/>
+            </a:xfrm>
+            <a:prstGeom prst="rect">
+              <a:avLst/>
+            </a:prstGeom>
+            <a:solidFill>
+              <a:srgbClr val="FFC000"/>
+            </a:solidFill>
+          </p:spPr>
+          <p:style>
+            <a:lnRef idx="2">
+              <a:schemeClr val="accent1">
+                <a:shade val="50000"/>
+              </a:schemeClr>
+            </a:lnRef>
+            <a:fillRef idx="1">
+              <a:schemeClr val="accent1"/>
+            </a:fillRef>
+            <a:effectRef idx="0">
+              <a:schemeClr val="accent1"/>
+            </a:effectRef>
+            <a:fontRef idx="minor">
+              <a:schemeClr val="lt1"/>
+            </a:fontRef>
+          </p:style>
+          <p:txBody>
+            <a:bodyPr rtlCol="0" anchor="ctr"/>
+            <a:lstStyle/>
+            <a:p>
+              <a:pPr algn="ctr"/>
+              <a:r>
+                <a:rPr lang="en-US" altLang="ko-KR" dirty="0" smtClean="0"/>
+                <a:t>Model</a:t>
+              </a:r>
+              <a:endParaRPr lang="ko-KR" altLang="en-US" dirty="0"/>
+            </a:p>
+          </p:txBody>
+        </p:sp>
+        <p:sp>
+          <p:nvSpPr>
+            <p:cNvPr id="24" name="직사각형 23"/>
+            <p:cNvSpPr/>
+            <p:nvPr/>
+          </p:nvSpPr>
+          <p:spPr>
+            <a:xfrm>
+              <a:off x="1350932" y="4854682"/>
+              <a:ext cx="1584176" cy="1584176"/>
+            </a:xfrm>
+            <a:prstGeom prst="rect">
+              <a:avLst/>
+            </a:prstGeom>
+            <a:solidFill>
+              <a:schemeClr val="accent4"/>
+            </a:solidFill>
+          </p:spPr>
+          <p:style>
+            <a:lnRef idx="2">
+              <a:schemeClr val="accent1">
+                <a:shade val="50000"/>
+              </a:schemeClr>
+            </a:lnRef>
+            <a:fillRef idx="1">
+              <a:schemeClr val="accent1"/>
+            </a:fillRef>
+            <a:effectRef idx="0">
+              <a:schemeClr val="accent1"/>
+            </a:effectRef>
+            <a:fontRef idx="minor">
+              <a:schemeClr val="lt1"/>
+            </a:fontRef>
+          </p:style>
+          <p:txBody>
+            <a:bodyPr rtlCol="0" anchor="ctr"/>
+            <a:lstStyle/>
+            <a:p>
+              <a:pPr algn="ctr"/>
+              <a:r>
+                <a:rPr lang="en-US" altLang="ko-KR" dirty="0" smtClean="0"/>
+                <a:t>Service</a:t>
+              </a:r>
+              <a:endParaRPr lang="ko-KR" altLang="en-US" dirty="0"/>
+            </a:p>
+          </p:txBody>
+        </p:sp>
+        <p:sp>
+          <p:nvSpPr>
+            <p:cNvPr id="28" name="직사각형 27"/>
+            <p:cNvSpPr/>
+            <p:nvPr/>
+          </p:nvSpPr>
+          <p:spPr>
+            <a:xfrm>
+              <a:off x="1079610" y="4654230"/>
+              <a:ext cx="1584176" cy="1584176"/>
+            </a:xfrm>
+            <a:prstGeom prst="rect">
+              <a:avLst/>
+            </a:prstGeom>
+            <a:solidFill>
+              <a:schemeClr val="accent4"/>
+            </a:solidFill>
+          </p:spPr>
+          <p:style>
+            <a:lnRef idx="2">
+              <a:schemeClr val="accent1">
+                <a:shade val="50000"/>
+              </a:schemeClr>
+            </a:lnRef>
+            <a:fillRef idx="1">
+              <a:schemeClr val="accent1"/>
+            </a:fillRef>
+            <a:effectRef idx="0">
+              <a:schemeClr val="accent1"/>
+            </a:effectRef>
+            <a:fontRef idx="minor">
+              <a:schemeClr val="lt1"/>
+            </a:fontRef>
+          </p:style>
+          <p:txBody>
+            <a:bodyPr rtlCol="0" anchor="ctr"/>
+            <a:lstStyle/>
+            <a:p>
+              <a:pPr algn="ctr"/>
+              <a:r>
+                <a:rPr lang="en-US" altLang="ko-KR" dirty="0" smtClean="0"/>
+                <a:t>Service</a:t>
+              </a:r>
+              <a:endParaRPr lang="ko-KR" altLang="en-US" dirty="0"/>
+            </a:p>
+          </p:txBody>
+        </p:sp>
+        <p:sp>
+          <p:nvSpPr>
+            <p:cNvPr id="30" name="직사각형 29"/>
+            <p:cNvSpPr/>
+            <p:nvPr/>
+          </p:nvSpPr>
+          <p:spPr>
+            <a:xfrm>
+              <a:off x="1079610" y="707574"/>
+              <a:ext cx="1584176" cy="1584176"/>
+            </a:xfrm>
+            <a:prstGeom prst="rect">
+              <a:avLst/>
+            </a:prstGeom>
+            <a:solidFill>
+              <a:schemeClr val="accent5"/>
+            </a:solidFill>
+          </p:spPr>
+          <p:style>
+            <a:lnRef idx="2">
+              <a:schemeClr val="accent1">
+                <a:shade val="50000"/>
+              </a:schemeClr>
+            </a:lnRef>
+            <a:fillRef idx="1">
+              <a:schemeClr val="accent1"/>
+            </a:fillRef>
+            <a:effectRef idx="0">
+              <a:schemeClr val="accent1"/>
+            </a:effectRef>
+            <a:fontRef idx="minor">
+              <a:schemeClr val="lt1"/>
+            </a:fontRef>
+          </p:style>
+          <p:txBody>
+            <a:bodyPr rtlCol="0" anchor="ctr"/>
+            <a:lstStyle/>
+            <a:p>
+              <a:pPr algn="ctr"/>
+              <a:r>
+                <a:rPr lang="en-US" altLang="ko-KR" dirty="0" smtClean="0"/>
+                <a:t>View</a:t>
+              </a:r>
+              <a:endParaRPr lang="ko-KR" altLang="en-US" dirty="0"/>
+            </a:p>
+          </p:txBody>
+        </p:sp>
+        <p:cxnSp>
+          <p:nvCxnSpPr>
+            <p:cNvPr id="36" name="직선 연결선 35"/>
+            <p:cNvCxnSpPr>
+              <a:stCxn id="30" idx="2"/>
+            </p:cNvCxnSpPr>
+            <p:nvPr/>
+          </p:nvCxnSpPr>
+          <p:spPr>
+            <a:xfrm>
+              <a:off x="1871698" y="2291750"/>
+              <a:ext cx="0" cy="269661"/>
+            </a:xfrm>
+            <a:prstGeom prst="line">
+              <a:avLst/>
+            </a:prstGeom>
+          </p:spPr>
+          <p:style>
+            <a:lnRef idx="1">
+              <a:schemeClr val="accent1"/>
+            </a:lnRef>
+            <a:fillRef idx="0">
+              <a:schemeClr val="accent1"/>
+            </a:fillRef>
+            <a:effectRef idx="0">
+              <a:schemeClr val="accent1"/>
+            </a:effectRef>
+            <a:fontRef idx="minor">
+              <a:schemeClr val="tx1"/>
+            </a:fontRef>
+          </p:style>
+        </p:cxnSp>
+        <p:cxnSp>
+          <p:nvCxnSpPr>
+            <p:cNvPr id="37" name="직선 연결선 36"/>
+            <p:cNvCxnSpPr>
+              <a:endCxn id="28" idx="0"/>
+            </p:cNvCxnSpPr>
+            <p:nvPr/>
+          </p:nvCxnSpPr>
+          <p:spPr>
+            <a:xfrm>
+              <a:off x="1871698" y="4241551"/>
+              <a:ext cx="0" cy="412679"/>
+            </a:xfrm>
+            <a:prstGeom prst="line">
+              <a:avLst/>
+            </a:prstGeom>
+          </p:spPr>
+          <p:style>
+            <a:lnRef idx="1">
+              <a:schemeClr val="accent1"/>
+            </a:lnRef>
+            <a:fillRef idx="0">
+              <a:schemeClr val="accent1"/>
+            </a:fillRef>
+            <a:effectRef idx="0">
+              <a:schemeClr val="accent1"/>
+            </a:effectRef>
+            <a:fontRef idx="minor">
+              <a:schemeClr val="tx1"/>
+            </a:fontRef>
+          </p:style>
+        </p:cxnSp>
+        <p:cxnSp>
+          <p:nvCxnSpPr>
+            <p:cNvPr id="38" name="직선 연결선 37"/>
+            <p:cNvCxnSpPr>
+              <a:stCxn id="19" idx="3"/>
+              <a:endCxn id="21" idx="1"/>
+            </p:cNvCxnSpPr>
+            <p:nvPr/>
+          </p:nvCxnSpPr>
+          <p:spPr>
+            <a:xfrm>
+              <a:off x="3254320" y="3401481"/>
+              <a:ext cx="1024968" cy="0"/>
+            </a:xfrm>
+            <a:prstGeom prst="line">
+              <a:avLst/>
+            </a:prstGeom>
+          </p:spPr>
+          <p:style>
+            <a:lnRef idx="1">
+              <a:schemeClr val="accent1"/>
+            </a:lnRef>
+            <a:fillRef idx="0">
+              <a:schemeClr val="accent1"/>
+            </a:fillRef>
+            <a:effectRef idx="0">
+              <a:schemeClr val="accent1"/>
+            </a:effectRef>
+            <a:fontRef idx="minor">
+              <a:schemeClr val="tx1"/>
+            </a:fontRef>
+          </p:style>
+        </p:cxnSp>
+        <p:sp>
+          <p:nvSpPr>
+            <p:cNvPr id="39" name="TextBox 38"/>
+            <p:cNvSpPr txBox="1"/>
+            <p:nvPr/>
+          </p:nvSpPr>
+          <p:spPr>
+            <a:xfrm>
+              <a:off x="6497077" y="4009245"/>
+              <a:ext cx="336952" cy="338554"/>
+            </a:xfrm>
+            <a:prstGeom prst="rect">
+              <a:avLst/>
+            </a:prstGeom>
+            <a:noFill/>
+          </p:spPr>
+          <p:txBody>
+            <a:bodyPr wrap="none" rtlCol="0">
+              <a:spAutoFit/>
+            </a:bodyPr>
+            <a:lstStyle/>
+            <a:p>
+              <a:r>
+                <a:rPr lang="en-US" altLang="ko-KR" sz="1600" dirty="0" smtClean="0"/>
+                <a:t>…</a:t>
+              </a:r>
+              <a:endParaRPr lang="ko-KR" altLang="en-US" sz="1600" dirty="0"/>
+            </a:p>
+          </p:txBody>
+        </p:sp>
+        <p:sp>
+          <p:nvSpPr>
+            <p:cNvPr id="40" name="TextBox 39"/>
+            <p:cNvSpPr txBox="1"/>
+            <p:nvPr/>
+          </p:nvSpPr>
+          <p:spPr>
+            <a:xfrm>
+              <a:off x="3085844" y="6100304"/>
+              <a:ext cx="336952" cy="338554"/>
+            </a:xfrm>
+            <a:prstGeom prst="rect">
+              <a:avLst/>
+            </a:prstGeom>
+            <a:noFill/>
+          </p:spPr>
+          <p:txBody>
+            <a:bodyPr wrap="none" rtlCol="0">
+              <a:spAutoFit/>
+            </a:bodyPr>
+            <a:lstStyle/>
+            <a:p>
+              <a:r>
+                <a:rPr lang="en-US" altLang="ko-KR" sz="1600" dirty="0" smtClean="0"/>
+                <a:t>…</a:t>
+              </a:r>
+              <a:endParaRPr lang="ko-KR" altLang="en-US" sz="1600" dirty="0"/>
+            </a:p>
+          </p:txBody>
+        </p:sp>
+        <p:sp>
+          <p:nvSpPr>
+            <p:cNvPr id="41" name="직사각형 40"/>
+            <p:cNvSpPr/>
+            <p:nvPr/>
+          </p:nvSpPr>
+          <p:spPr>
+            <a:xfrm>
+              <a:off x="129353" y="338243"/>
+              <a:ext cx="3722567" cy="4109647"/>
+            </a:xfrm>
+            <a:prstGeom prst="rect">
+              <a:avLst/>
+            </a:prstGeom>
+            <a:noFill/>
+            <a:ln>
+              <a:solidFill>
+                <a:schemeClr val="accent5"/>
+              </a:solidFill>
+            </a:ln>
+          </p:spPr>
+          <p:style>
+            <a:lnRef idx="2">
+              <a:schemeClr val="accent1">
+                <a:shade val="50000"/>
+              </a:schemeClr>
+            </a:lnRef>
+            <a:fillRef idx="1">
+              <a:schemeClr val="accent1"/>
+            </a:fillRef>
+            <a:effectRef idx="0">
+              <a:schemeClr val="accent1"/>
+            </a:effectRef>
+            <a:fontRef idx="minor">
+              <a:schemeClr val="lt1"/>
+            </a:fontRef>
+          </p:style>
+          <p:txBody>
+            <a:bodyPr rtlCol="0" anchor="ctr"/>
+            <a:lstStyle/>
+            <a:p>
+              <a:pPr algn="ctr"/>
+              <a:endParaRPr lang="ko-KR" altLang="en-US" dirty="0"/>
+            </a:p>
+          </p:txBody>
+        </p:sp>
+        <p:sp>
+          <p:nvSpPr>
+            <p:cNvPr id="42" name="직사각형 41"/>
+            <p:cNvSpPr/>
+            <p:nvPr/>
+          </p:nvSpPr>
+          <p:spPr>
+            <a:xfrm>
+              <a:off x="461585" y="2393066"/>
+              <a:ext cx="7635405" cy="4325021"/>
+            </a:xfrm>
+            <a:prstGeom prst="rect">
+              <a:avLst/>
+            </a:prstGeom>
+            <a:noFill/>
+            <a:ln w="28575">
+              <a:solidFill>
+                <a:srgbClr val="FFC000"/>
+              </a:solidFill>
+            </a:ln>
+          </p:spPr>
+          <p:style>
+            <a:lnRef idx="2">
+              <a:schemeClr val="accent1">
+                <a:shade val="50000"/>
+              </a:schemeClr>
+            </a:lnRef>
+            <a:fillRef idx="1">
+              <a:schemeClr val="accent1"/>
+            </a:fillRef>
+            <a:effectRef idx="0">
+              <a:schemeClr val="accent1"/>
+            </a:effectRef>
+            <a:fontRef idx="minor">
+              <a:schemeClr val="lt1"/>
+            </a:fontRef>
+          </p:style>
+          <p:txBody>
+            <a:bodyPr rtlCol="0" anchor="ctr"/>
+            <a:lstStyle/>
+            <a:p>
+              <a:pPr algn="ctr"/>
+              <a:endParaRPr lang="ko-KR" altLang="en-US"/>
+            </a:p>
+          </p:txBody>
+        </p:sp>
+        <p:sp>
+          <p:nvSpPr>
+            <p:cNvPr id="43" name="직사각형 42"/>
+            <p:cNvSpPr/>
+            <p:nvPr/>
+          </p:nvSpPr>
+          <p:spPr>
+            <a:xfrm>
+              <a:off x="652465" y="522908"/>
+              <a:ext cx="1584176" cy="1584176"/>
+            </a:xfrm>
+            <a:prstGeom prst="rect">
+              <a:avLst/>
+            </a:prstGeom>
+            <a:solidFill>
+              <a:schemeClr val="accent5"/>
+            </a:solidFill>
+          </p:spPr>
+          <p:style>
+            <a:lnRef idx="2">
+              <a:schemeClr val="accent1">
+                <a:shade val="50000"/>
+              </a:schemeClr>
+            </a:lnRef>
+            <a:fillRef idx="1">
+              <a:schemeClr val="accent1"/>
+            </a:fillRef>
+            <a:effectRef idx="0">
+              <a:schemeClr val="accent1"/>
+            </a:effectRef>
+            <a:fontRef idx="minor">
+              <a:schemeClr val="lt1"/>
+            </a:fontRef>
+          </p:style>
+          <p:txBody>
+            <a:bodyPr rtlCol="0" anchor="ctr"/>
+            <a:lstStyle/>
+            <a:p>
+              <a:pPr algn="ctr"/>
+              <a:r>
+                <a:rPr lang="en-US" altLang="ko-KR" dirty="0" smtClean="0"/>
+                <a:t>View</a:t>
+              </a:r>
+              <a:endParaRPr lang="ko-KR" altLang="en-US" dirty="0"/>
+            </a:p>
+          </p:txBody>
+        </p:sp>
+      </p:grpSp>
+      <p:grpSp>
+        <p:nvGrpSpPr>
+          <p:cNvPr id="44" name="그룹 43"/>
+          <p:cNvGrpSpPr/>
+          <p:nvPr/>
+        </p:nvGrpSpPr>
+        <p:grpSpPr>
+          <a:xfrm>
+            <a:off x="5620244" y="-1586155"/>
+            <a:ext cx="5378751" cy="3758029"/>
+            <a:chOff x="129353" y="338243"/>
+            <a:chExt cx="7967637" cy="6379844"/>
+          </a:xfrm>
+        </p:grpSpPr>
+        <p:sp>
+          <p:nvSpPr>
+            <p:cNvPr id="45" name="직사각형 44"/>
+            <p:cNvSpPr/>
+            <p:nvPr/>
+          </p:nvSpPr>
+          <p:spPr>
+            <a:xfrm>
+              <a:off x="1079610" y="2561411"/>
+              <a:ext cx="2174710" cy="1680140"/>
+            </a:xfrm>
+            <a:prstGeom prst="rect">
+              <a:avLst/>
+            </a:prstGeom>
+            <a:solidFill>
+              <a:schemeClr val="accent2"/>
+            </a:solidFill>
+          </p:spPr>
+          <p:style>
+            <a:lnRef idx="2">
+              <a:schemeClr val="accent1">
+                <a:shade val="50000"/>
+              </a:schemeClr>
+            </a:lnRef>
+            <a:fillRef idx="1">
+              <a:schemeClr val="accent1"/>
+            </a:fillRef>
+            <a:effectRef idx="0">
+              <a:schemeClr val="accent1"/>
+            </a:effectRef>
+            <a:fontRef idx="minor">
+              <a:schemeClr val="lt1"/>
+            </a:fontRef>
+          </p:style>
+          <p:txBody>
+            <a:bodyPr rtlCol="0" anchor="ctr"/>
+            <a:lstStyle/>
+            <a:p>
+              <a:pPr algn="ctr"/>
+              <a:r>
+                <a:rPr lang="en-US" altLang="ko-KR" dirty="0" err="1" smtClean="0"/>
+                <a:t>ViewModel</a:t>
+              </a:r>
+              <a:endParaRPr lang="ko-KR" altLang="en-US" dirty="0"/>
+            </a:p>
+          </p:txBody>
+        </p:sp>
+        <p:sp>
+          <p:nvSpPr>
+            <p:cNvPr id="46" name="직사각형 45"/>
+            <p:cNvSpPr/>
+            <p:nvPr/>
+          </p:nvSpPr>
+          <p:spPr>
+            <a:xfrm>
+              <a:off x="4642789" y="2759985"/>
+              <a:ext cx="1584176" cy="1584176"/>
+            </a:xfrm>
+            <a:prstGeom prst="rect">
+              <a:avLst/>
+            </a:prstGeom>
+            <a:solidFill>
+              <a:srgbClr val="FFC000"/>
+            </a:solidFill>
+          </p:spPr>
+          <p:style>
+            <a:lnRef idx="2">
+              <a:schemeClr val="accent1">
+                <a:shade val="50000"/>
+              </a:schemeClr>
+            </a:lnRef>
+            <a:fillRef idx="1">
+              <a:schemeClr val="accent1"/>
+            </a:fillRef>
+            <a:effectRef idx="0">
+              <a:schemeClr val="accent1"/>
+            </a:effectRef>
+            <a:fontRef idx="minor">
+              <a:schemeClr val="lt1"/>
+            </a:fontRef>
+          </p:style>
+          <p:txBody>
+            <a:bodyPr rtlCol="0" anchor="ctr"/>
+            <a:lstStyle/>
+            <a:p>
+              <a:pPr algn="ctr"/>
+              <a:r>
+                <a:rPr lang="en-US" altLang="ko-KR" dirty="0" smtClean="0"/>
+                <a:t>Model</a:t>
+              </a:r>
+              <a:endParaRPr lang="ko-KR" altLang="en-US" dirty="0"/>
+            </a:p>
+          </p:txBody>
+        </p:sp>
+        <p:sp>
+          <p:nvSpPr>
+            <p:cNvPr id="47" name="직사각형 46"/>
+            <p:cNvSpPr/>
+            <p:nvPr/>
+          </p:nvSpPr>
+          <p:spPr>
+            <a:xfrm>
+              <a:off x="4279288" y="2609393"/>
+              <a:ext cx="1584176" cy="1584176"/>
+            </a:xfrm>
+            <a:prstGeom prst="rect">
+              <a:avLst/>
+            </a:prstGeom>
+            <a:solidFill>
+              <a:srgbClr val="FFC000"/>
+            </a:solidFill>
+          </p:spPr>
+          <p:style>
+            <a:lnRef idx="2">
+              <a:schemeClr val="accent1">
+                <a:shade val="50000"/>
+              </a:schemeClr>
+            </a:lnRef>
+            <a:fillRef idx="1">
+              <a:schemeClr val="accent1"/>
+            </a:fillRef>
+            <a:effectRef idx="0">
+              <a:schemeClr val="accent1"/>
+            </a:effectRef>
+            <a:fontRef idx="minor">
+              <a:schemeClr val="lt1"/>
+            </a:fontRef>
+          </p:style>
+          <p:txBody>
+            <a:bodyPr rtlCol="0" anchor="ctr"/>
+            <a:lstStyle/>
+            <a:p>
+              <a:pPr algn="ctr"/>
+              <a:r>
+                <a:rPr lang="en-US" altLang="ko-KR" dirty="0" smtClean="0"/>
+                <a:t>Model</a:t>
+              </a:r>
+              <a:endParaRPr lang="ko-KR" altLang="en-US" dirty="0"/>
+            </a:p>
+          </p:txBody>
+        </p:sp>
+        <p:sp>
+          <p:nvSpPr>
+            <p:cNvPr id="48" name="직사각형 47"/>
+            <p:cNvSpPr/>
+            <p:nvPr/>
+          </p:nvSpPr>
+          <p:spPr>
+            <a:xfrm>
+              <a:off x="1350932" y="4854682"/>
+              <a:ext cx="1584176" cy="1584176"/>
+            </a:xfrm>
+            <a:prstGeom prst="rect">
+              <a:avLst/>
+            </a:prstGeom>
+            <a:solidFill>
+              <a:schemeClr val="accent4"/>
+            </a:solidFill>
+          </p:spPr>
+          <p:style>
+            <a:lnRef idx="2">
+              <a:schemeClr val="accent1">
+                <a:shade val="50000"/>
+              </a:schemeClr>
+            </a:lnRef>
+            <a:fillRef idx="1">
+              <a:schemeClr val="accent1"/>
+            </a:fillRef>
+            <a:effectRef idx="0">
+              <a:schemeClr val="accent1"/>
+            </a:effectRef>
+            <a:fontRef idx="minor">
+              <a:schemeClr val="lt1"/>
+            </a:fontRef>
+          </p:style>
+          <p:txBody>
+            <a:bodyPr rtlCol="0" anchor="ctr"/>
+            <a:lstStyle/>
+            <a:p>
+              <a:pPr algn="ctr"/>
+              <a:r>
+                <a:rPr lang="en-US" altLang="ko-KR" dirty="0" smtClean="0"/>
+                <a:t>Service</a:t>
+              </a:r>
+              <a:endParaRPr lang="ko-KR" altLang="en-US" dirty="0"/>
+            </a:p>
+          </p:txBody>
+        </p:sp>
+        <p:sp>
+          <p:nvSpPr>
+            <p:cNvPr id="49" name="직사각형 48"/>
+            <p:cNvSpPr/>
+            <p:nvPr/>
+          </p:nvSpPr>
+          <p:spPr>
+            <a:xfrm>
+              <a:off x="1079610" y="4654230"/>
+              <a:ext cx="1584176" cy="1584176"/>
+            </a:xfrm>
+            <a:prstGeom prst="rect">
+              <a:avLst/>
+            </a:prstGeom>
+            <a:solidFill>
+              <a:schemeClr val="accent4"/>
+            </a:solidFill>
+          </p:spPr>
+          <p:style>
+            <a:lnRef idx="2">
+              <a:schemeClr val="accent1">
+                <a:shade val="50000"/>
+              </a:schemeClr>
+            </a:lnRef>
+            <a:fillRef idx="1">
+              <a:schemeClr val="accent1"/>
+            </a:fillRef>
+            <a:effectRef idx="0">
+              <a:schemeClr val="accent1"/>
+            </a:effectRef>
+            <a:fontRef idx="minor">
+              <a:schemeClr val="lt1"/>
+            </a:fontRef>
+          </p:style>
+          <p:txBody>
+            <a:bodyPr rtlCol="0" anchor="ctr"/>
+            <a:lstStyle/>
+            <a:p>
+              <a:pPr algn="ctr"/>
+              <a:r>
+                <a:rPr lang="en-US" altLang="ko-KR" dirty="0" smtClean="0"/>
+                <a:t>Service</a:t>
+              </a:r>
+              <a:endParaRPr lang="ko-KR" altLang="en-US" dirty="0"/>
+            </a:p>
+          </p:txBody>
+        </p:sp>
+        <p:sp>
+          <p:nvSpPr>
+            <p:cNvPr id="50" name="직사각형 49"/>
+            <p:cNvSpPr/>
+            <p:nvPr/>
+          </p:nvSpPr>
+          <p:spPr>
+            <a:xfrm>
+              <a:off x="1079610" y="707574"/>
+              <a:ext cx="1584176" cy="1584176"/>
+            </a:xfrm>
+            <a:prstGeom prst="rect">
+              <a:avLst/>
+            </a:prstGeom>
+            <a:solidFill>
+              <a:schemeClr val="accent5"/>
+            </a:solidFill>
+          </p:spPr>
+          <p:style>
+            <a:lnRef idx="2">
+              <a:schemeClr val="accent1">
+                <a:shade val="50000"/>
+              </a:schemeClr>
+            </a:lnRef>
+            <a:fillRef idx="1">
+              <a:schemeClr val="accent1"/>
+            </a:fillRef>
+            <a:effectRef idx="0">
+              <a:schemeClr val="accent1"/>
+            </a:effectRef>
+            <a:fontRef idx="minor">
+              <a:schemeClr val="lt1"/>
+            </a:fontRef>
+          </p:style>
+          <p:txBody>
+            <a:bodyPr rtlCol="0" anchor="ctr"/>
+            <a:lstStyle/>
+            <a:p>
+              <a:pPr algn="ctr"/>
+              <a:r>
+                <a:rPr lang="en-US" altLang="ko-KR" dirty="0" smtClean="0"/>
+                <a:t>View</a:t>
+              </a:r>
+              <a:endParaRPr lang="ko-KR" altLang="en-US" dirty="0"/>
+            </a:p>
+          </p:txBody>
+        </p:sp>
+        <p:cxnSp>
+          <p:nvCxnSpPr>
+            <p:cNvPr id="51" name="직선 연결선 50"/>
+            <p:cNvCxnSpPr>
+              <a:stCxn id="50" idx="2"/>
+            </p:cNvCxnSpPr>
+            <p:nvPr/>
+          </p:nvCxnSpPr>
+          <p:spPr>
+            <a:xfrm>
+              <a:off x="1871698" y="2291750"/>
+              <a:ext cx="0" cy="269661"/>
+            </a:xfrm>
+            <a:prstGeom prst="line">
+              <a:avLst/>
+            </a:prstGeom>
+          </p:spPr>
+          <p:style>
+            <a:lnRef idx="1">
+              <a:schemeClr val="accent1"/>
+            </a:lnRef>
+            <a:fillRef idx="0">
+              <a:schemeClr val="accent1"/>
+            </a:fillRef>
+            <a:effectRef idx="0">
+              <a:schemeClr val="accent1"/>
+            </a:effectRef>
+            <a:fontRef idx="minor">
+              <a:schemeClr val="tx1"/>
+            </a:fontRef>
+          </p:style>
+        </p:cxnSp>
+        <p:cxnSp>
+          <p:nvCxnSpPr>
+            <p:cNvPr id="52" name="직선 연결선 51"/>
+            <p:cNvCxnSpPr>
+              <a:endCxn id="49" idx="0"/>
+            </p:cNvCxnSpPr>
+            <p:nvPr/>
+          </p:nvCxnSpPr>
+          <p:spPr>
+            <a:xfrm>
+              <a:off x="1871698" y="4241551"/>
+              <a:ext cx="0" cy="412679"/>
+            </a:xfrm>
+            <a:prstGeom prst="line">
+              <a:avLst/>
+            </a:prstGeom>
+          </p:spPr>
+          <p:style>
+            <a:lnRef idx="1">
+              <a:schemeClr val="accent1"/>
+            </a:lnRef>
+            <a:fillRef idx="0">
+              <a:schemeClr val="accent1"/>
+            </a:fillRef>
+            <a:effectRef idx="0">
+              <a:schemeClr val="accent1"/>
+            </a:effectRef>
+            <a:fontRef idx="minor">
+              <a:schemeClr val="tx1"/>
+            </a:fontRef>
+          </p:style>
+        </p:cxnSp>
+        <p:cxnSp>
+          <p:nvCxnSpPr>
+            <p:cNvPr id="53" name="직선 연결선 52"/>
+            <p:cNvCxnSpPr>
+              <a:stCxn id="45" idx="3"/>
+              <a:endCxn id="47" idx="1"/>
+            </p:cNvCxnSpPr>
+            <p:nvPr/>
+          </p:nvCxnSpPr>
+          <p:spPr>
+            <a:xfrm>
+              <a:off x="3254320" y="3401481"/>
+              <a:ext cx="1024968" cy="0"/>
+            </a:xfrm>
+            <a:prstGeom prst="line">
+              <a:avLst/>
+            </a:prstGeom>
+          </p:spPr>
+          <p:style>
+            <a:lnRef idx="1">
+              <a:schemeClr val="accent1"/>
+            </a:lnRef>
+            <a:fillRef idx="0">
+              <a:schemeClr val="accent1"/>
+            </a:fillRef>
+            <a:effectRef idx="0">
+              <a:schemeClr val="accent1"/>
+            </a:effectRef>
+            <a:fontRef idx="minor">
+              <a:schemeClr val="tx1"/>
+            </a:fontRef>
+          </p:style>
+        </p:cxnSp>
+        <p:sp>
+          <p:nvSpPr>
+            <p:cNvPr id="54" name="TextBox 53"/>
+            <p:cNvSpPr txBox="1"/>
+            <p:nvPr/>
+          </p:nvSpPr>
+          <p:spPr>
+            <a:xfrm>
+              <a:off x="6497077" y="4009245"/>
+              <a:ext cx="336952" cy="338554"/>
+            </a:xfrm>
+            <a:prstGeom prst="rect">
+              <a:avLst/>
+            </a:prstGeom>
+            <a:noFill/>
+          </p:spPr>
+          <p:txBody>
+            <a:bodyPr wrap="none" rtlCol="0">
+              <a:spAutoFit/>
+            </a:bodyPr>
+            <a:lstStyle/>
+            <a:p>
+              <a:r>
+                <a:rPr lang="en-US" altLang="ko-KR" sz="1600" dirty="0" smtClean="0"/>
+                <a:t>…</a:t>
+              </a:r>
+              <a:endParaRPr lang="ko-KR" altLang="en-US" sz="1600" dirty="0"/>
+            </a:p>
+          </p:txBody>
+        </p:sp>
+        <p:sp>
+          <p:nvSpPr>
+            <p:cNvPr id="55" name="TextBox 54"/>
+            <p:cNvSpPr txBox="1"/>
+            <p:nvPr/>
+          </p:nvSpPr>
+          <p:spPr>
+            <a:xfrm>
+              <a:off x="3085844" y="6100304"/>
+              <a:ext cx="336952" cy="338554"/>
+            </a:xfrm>
+            <a:prstGeom prst="rect">
+              <a:avLst/>
+            </a:prstGeom>
+            <a:noFill/>
+          </p:spPr>
+          <p:txBody>
+            <a:bodyPr wrap="none" rtlCol="0">
+              <a:spAutoFit/>
+            </a:bodyPr>
+            <a:lstStyle/>
+            <a:p>
+              <a:r>
+                <a:rPr lang="en-US" altLang="ko-KR" sz="1600" dirty="0" smtClean="0"/>
+                <a:t>…</a:t>
+              </a:r>
+              <a:endParaRPr lang="ko-KR" altLang="en-US" sz="1600" dirty="0"/>
+            </a:p>
+          </p:txBody>
+        </p:sp>
+        <p:sp>
+          <p:nvSpPr>
+            <p:cNvPr id="56" name="직사각형 55"/>
+            <p:cNvSpPr/>
+            <p:nvPr/>
+          </p:nvSpPr>
+          <p:spPr>
+            <a:xfrm>
+              <a:off x="129353" y="338243"/>
+              <a:ext cx="3722567" cy="4109647"/>
+            </a:xfrm>
+            <a:prstGeom prst="rect">
+              <a:avLst/>
+            </a:prstGeom>
+            <a:noFill/>
+            <a:ln>
+              <a:solidFill>
+                <a:schemeClr val="accent5"/>
+              </a:solidFill>
+            </a:ln>
+          </p:spPr>
+          <p:style>
+            <a:lnRef idx="2">
+              <a:schemeClr val="accent1">
+                <a:shade val="50000"/>
+              </a:schemeClr>
+            </a:lnRef>
+            <a:fillRef idx="1">
+              <a:schemeClr val="accent1"/>
+            </a:fillRef>
+            <a:effectRef idx="0">
+              <a:schemeClr val="accent1"/>
+            </a:effectRef>
+            <a:fontRef idx="minor">
+              <a:schemeClr val="lt1"/>
+            </a:fontRef>
+          </p:style>
+          <p:txBody>
+            <a:bodyPr rtlCol="0" anchor="ctr"/>
+            <a:lstStyle/>
+            <a:p>
+              <a:pPr algn="ctr"/>
+              <a:endParaRPr lang="ko-KR" altLang="en-US" dirty="0"/>
+            </a:p>
+          </p:txBody>
+        </p:sp>
+        <p:sp>
+          <p:nvSpPr>
+            <p:cNvPr id="57" name="직사각형 56"/>
+            <p:cNvSpPr/>
+            <p:nvPr/>
+          </p:nvSpPr>
+          <p:spPr>
+            <a:xfrm>
+              <a:off x="461585" y="2393066"/>
+              <a:ext cx="7635405" cy="4325021"/>
+            </a:xfrm>
+            <a:prstGeom prst="rect">
+              <a:avLst/>
+            </a:prstGeom>
+            <a:noFill/>
+            <a:ln w="28575">
+              <a:solidFill>
+                <a:srgbClr val="FFC000"/>
+              </a:solidFill>
+            </a:ln>
+          </p:spPr>
+          <p:style>
+            <a:lnRef idx="2">
+              <a:schemeClr val="accent1">
+                <a:shade val="50000"/>
+              </a:schemeClr>
+            </a:lnRef>
+            <a:fillRef idx="1">
+              <a:schemeClr val="accent1"/>
+            </a:fillRef>
+            <a:effectRef idx="0">
+              <a:schemeClr val="accent1"/>
+            </a:effectRef>
+            <a:fontRef idx="minor">
+              <a:schemeClr val="lt1"/>
+            </a:fontRef>
+          </p:style>
+          <p:txBody>
+            <a:bodyPr rtlCol="0" anchor="ctr"/>
+            <a:lstStyle/>
+            <a:p>
+              <a:pPr algn="ctr"/>
+              <a:endParaRPr lang="ko-KR" altLang="en-US"/>
+            </a:p>
+          </p:txBody>
+        </p:sp>
+        <p:sp>
+          <p:nvSpPr>
+            <p:cNvPr id="58" name="직사각형 57"/>
+            <p:cNvSpPr/>
+            <p:nvPr/>
+          </p:nvSpPr>
+          <p:spPr>
+            <a:xfrm>
+              <a:off x="652465" y="522908"/>
+              <a:ext cx="1584176" cy="1584176"/>
+            </a:xfrm>
+            <a:prstGeom prst="rect">
+              <a:avLst/>
+            </a:prstGeom>
+            <a:solidFill>
+              <a:schemeClr val="accent5"/>
+            </a:solidFill>
+          </p:spPr>
+          <p:style>
+            <a:lnRef idx="2">
+              <a:schemeClr val="accent1">
+                <a:shade val="50000"/>
+              </a:schemeClr>
+            </a:lnRef>
+            <a:fillRef idx="1">
+              <a:schemeClr val="accent1"/>
+            </a:fillRef>
+            <a:effectRef idx="0">
+              <a:schemeClr val="accent1"/>
+            </a:effectRef>
+            <a:fontRef idx="minor">
+              <a:schemeClr val="lt1"/>
+            </a:fontRef>
+          </p:style>
+          <p:txBody>
+            <a:bodyPr rtlCol="0" anchor="ctr"/>
+            <a:lstStyle/>
+            <a:p>
+              <a:pPr algn="ctr"/>
+              <a:r>
+                <a:rPr lang="en-US" altLang="ko-KR" dirty="0" smtClean="0"/>
+                <a:t>View</a:t>
+              </a:r>
+              <a:endParaRPr lang="ko-KR" altLang="en-US" dirty="0"/>
+            </a:p>
+          </p:txBody>
+        </p:sp>
+      </p:grpSp>
+      <p:grpSp>
+        <p:nvGrpSpPr>
+          <p:cNvPr id="59" name="그룹 58"/>
+          <p:cNvGrpSpPr/>
+          <p:nvPr/>
+        </p:nvGrpSpPr>
+        <p:grpSpPr>
+          <a:xfrm>
+            <a:off x="2027316" y="4891692"/>
+            <a:ext cx="5378751" cy="3758029"/>
+            <a:chOff x="129353" y="338243"/>
+            <a:chExt cx="7967637" cy="6379844"/>
+          </a:xfrm>
+        </p:grpSpPr>
+        <p:sp>
+          <p:nvSpPr>
+            <p:cNvPr id="60" name="직사각형 59"/>
+            <p:cNvSpPr/>
+            <p:nvPr/>
+          </p:nvSpPr>
+          <p:spPr>
+            <a:xfrm>
+              <a:off x="1079610" y="2561411"/>
+              <a:ext cx="2174710" cy="1680140"/>
+            </a:xfrm>
+            <a:prstGeom prst="rect">
+              <a:avLst/>
+            </a:prstGeom>
+            <a:solidFill>
+              <a:schemeClr val="accent2"/>
+            </a:solidFill>
+          </p:spPr>
+          <p:style>
+            <a:lnRef idx="2">
+              <a:schemeClr val="accent1">
+                <a:shade val="50000"/>
+              </a:schemeClr>
+            </a:lnRef>
+            <a:fillRef idx="1">
+              <a:schemeClr val="accent1"/>
+            </a:fillRef>
+            <a:effectRef idx="0">
+              <a:schemeClr val="accent1"/>
+            </a:effectRef>
+            <a:fontRef idx="minor">
+              <a:schemeClr val="lt1"/>
+            </a:fontRef>
+          </p:style>
+          <p:txBody>
+            <a:bodyPr rtlCol="0" anchor="ctr"/>
+            <a:lstStyle/>
+            <a:p>
+              <a:pPr algn="ctr"/>
+              <a:r>
+                <a:rPr lang="en-US" altLang="ko-KR" dirty="0" err="1" smtClean="0"/>
+                <a:t>ViewModel</a:t>
+              </a:r>
+              <a:endParaRPr lang="ko-KR" altLang="en-US" dirty="0"/>
+            </a:p>
+          </p:txBody>
+        </p:sp>
+        <p:sp>
+          <p:nvSpPr>
+            <p:cNvPr id="61" name="직사각형 60"/>
+            <p:cNvSpPr/>
+            <p:nvPr/>
+          </p:nvSpPr>
+          <p:spPr>
+            <a:xfrm>
+              <a:off x="4642789" y="2759985"/>
+              <a:ext cx="1584176" cy="1584176"/>
+            </a:xfrm>
+            <a:prstGeom prst="rect">
+              <a:avLst/>
+            </a:prstGeom>
+            <a:solidFill>
+              <a:srgbClr val="FFC000"/>
+            </a:solidFill>
+          </p:spPr>
+          <p:style>
+            <a:lnRef idx="2">
+              <a:schemeClr val="accent1">
+                <a:shade val="50000"/>
+              </a:schemeClr>
+            </a:lnRef>
+            <a:fillRef idx="1">
+              <a:schemeClr val="accent1"/>
+            </a:fillRef>
+            <a:effectRef idx="0">
+              <a:schemeClr val="accent1"/>
+            </a:effectRef>
+            <a:fontRef idx="minor">
+              <a:schemeClr val="lt1"/>
+            </a:fontRef>
+          </p:style>
+          <p:txBody>
+            <a:bodyPr rtlCol="0" anchor="ctr"/>
+            <a:lstStyle/>
+            <a:p>
+              <a:pPr algn="ctr"/>
+              <a:r>
+                <a:rPr lang="en-US" altLang="ko-KR" dirty="0" smtClean="0"/>
+                <a:t>Model</a:t>
+              </a:r>
+              <a:endParaRPr lang="ko-KR" altLang="en-US" dirty="0"/>
+            </a:p>
+          </p:txBody>
+        </p:sp>
+        <p:sp>
+          <p:nvSpPr>
+            <p:cNvPr id="62" name="직사각형 61"/>
+            <p:cNvSpPr/>
+            <p:nvPr/>
+          </p:nvSpPr>
+          <p:spPr>
+            <a:xfrm>
+              <a:off x="4279288" y="2609393"/>
+              <a:ext cx="1584176" cy="1584176"/>
+            </a:xfrm>
+            <a:prstGeom prst="rect">
+              <a:avLst/>
+            </a:prstGeom>
+            <a:solidFill>
+              <a:srgbClr val="FFC000"/>
+            </a:solidFill>
+          </p:spPr>
+          <p:style>
+            <a:lnRef idx="2">
+              <a:schemeClr val="accent1">
+                <a:shade val="50000"/>
+              </a:schemeClr>
+            </a:lnRef>
+            <a:fillRef idx="1">
+              <a:schemeClr val="accent1"/>
+            </a:fillRef>
+            <a:effectRef idx="0">
+              <a:schemeClr val="accent1"/>
+            </a:effectRef>
+            <a:fontRef idx="minor">
+              <a:schemeClr val="lt1"/>
+            </a:fontRef>
+          </p:style>
+          <p:txBody>
+            <a:bodyPr rtlCol="0" anchor="ctr"/>
+            <a:lstStyle/>
+            <a:p>
+              <a:pPr algn="ctr"/>
+              <a:r>
+                <a:rPr lang="en-US" altLang="ko-KR" dirty="0" smtClean="0"/>
+                <a:t>Model</a:t>
+              </a:r>
+              <a:endParaRPr lang="ko-KR" altLang="en-US" dirty="0"/>
+            </a:p>
+          </p:txBody>
+        </p:sp>
+        <p:sp>
+          <p:nvSpPr>
+            <p:cNvPr id="63" name="직사각형 62"/>
+            <p:cNvSpPr/>
+            <p:nvPr/>
+          </p:nvSpPr>
+          <p:spPr>
+            <a:xfrm>
+              <a:off x="1350932" y="4854682"/>
+              <a:ext cx="1584176" cy="1584176"/>
+            </a:xfrm>
+            <a:prstGeom prst="rect">
+              <a:avLst/>
+            </a:prstGeom>
+            <a:solidFill>
+              <a:schemeClr val="accent4"/>
+            </a:solidFill>
+          </p:spPr>
+          <p:style>
+            <a:lnRef idx="2">
+              <a:schemeClr val="accent1">
+                <a:shade val="50000"/>
+              </a:schemeClr>
+            </a:lnRef>
+            <a:fillRef idx="1">
+              <a:schemeClr val="accent1"/>
+            </a:fillRef>
+            <a:effectRef idx="0">
+              <a:schemeClr val="accent1"/>
+            </a:effectRef>
+            <a:fontRef idx="minor">
+              <a:schemeClr val="lt1"/>
+            </a:fontRef>
+          </p:style>
+          <p:txBody>
+            <a:bodyPr rtlCol="0" anchor="ctr"/>
+            <a:lstStyle/>
+            <a:p>
+              <a:pPr algn="ctr"/>
+              <a:r>
+                <a:rPr lang="en-US" altLang="ko-KR" dirty="0" smtClean="0"/>
+                <a:t>Service</a:t>
+              </a:r>
+              <a:endParaRPr lang="ko-KR" altLang="en-US" dirty="0"/>
+            </a:p>
+          </p:txBody>
+        </p:sp>
+        <p:sp>
+          <p:nvSpPr>
+            <p:cNvPr id="64" name="직사각형 63"/>
+            <p:cNvSpPr/>
+            <p:nvPr/>
+          </p:nvSpPr>
+          <p:spPr>
+            <a:xfrm>
+              <a:off x="1079610" y="4654230"/>
+              <a:ext cx="1584176" cy="1584176"/>
+            </a:xfrm>
+            <a:prstGeom prst="rect">
+              <a:avLst/>
+            </a:prstGeom>
+            <a:solidFill>
+              <a:schemeClr val="accent4"/>
+            </a:solidFill>
+          </p:spPr>
+          <p:style>
+            <a:lnRef idx="2">
+              <a:schemeClr val="accent1">
+                <a:shade val="50000"/>
+              </a:schemeClr>
+            </a:lnRef>
+            <a:fillRef idx="1">
+              <a:schemeClr val="accent1"/>
+            </a:fillRef>
+            <a:effectRef idx="0">
+              <a:schemeClr val="accent1"/>
+            </a:effectRef>
+            <a:fontRef idx="minor">
+              <a:schemeClr val="lt1"/>
+            </a:fontRef>
+          </p:style>
+          <p:txBody>
+            <a:bodyPr rtlCol="0" anchor="ctr"/>
+            <a:lstStyle/>
+            <a:p>
+              <a:pPr algn="ctr"/>
+              <a:r>
+                <a:rPr lang="en-US" altLang="ko-KR" dirty="0" smtClean="0"/>
+                <a:t>Service</a:t>
+              </a:r>
+              <a:endParaRPr lang="ko-KR" altLang="en-US" dirty="0"/>
+            </a:p>
+          </p:txBody>
+        </p:sp>
+        <p:sp>
+          <p:nvSpPr>
+            <p:cNvPr id="65" name="직사각형 64"/>
+            <p:cNvSpPr/>
+            <p:nvPr/>
+          </p:nvSpPr>
+          <p:spPr>
+            <a:xfrm>
+              <a:off x="1079610" y="707574"/>
+              <a:ext cx="1584176" cy="1584176"/>
+            </a:xfrm>
+            <a:prstGeom prst="rect">
+              <a:avLst/>
+            </a:prstGeom>
+            <a:solidFill>
+              <a:schemeClr val="accent5"/>
+            </a:solidFill>
+          </p:spPr>
+          <p:style>
+            <a:lnRef idx="2">
+              <a:schemeClr val="accent1">
+                <a:shade val="50000"/>
+              </a:schemeClr>
+            </a:lnRef>
+            <a:fillRef idx="1">
+              <a:schemeClr val="accent1"/>
+            </a:fillRef>
+            <a:effectRef idx="0">
+              <a:schemeClr val="accent1"/>
+            </a:effectRef>
+            <a:fontRef idx="minor">
+              <a:schemeClr val="lt1"/>
+            </a:fontRef>
+          </p:style>
+          <p:txBody>
+            <a:bodyPr rtlCol="0" anchor="ctr"/>
+            <a:lstStyle/>
+            <a:p>
+              <a:pPr algn="ctr"/>
+              <a:r>
+                <a:rPr lang="en-US" altLang="ko-KR" dirty="0" smtClean="0"/>
+                <a:t>View</a:t>
+              </a:r>
+              <a:endParaRPr lang="ko-KR" altLang="en-US" dirty="0"/>
+            </a:p>
+          </p:txBody>
+        </p:sp>
+        <p:cxnSp>
+          <p:nvCxnSpPr>
+            <p:cNvPr id="66" name="직선 연결선 65"/>
+            <p:cNvCxnSpPr>
+              <a:stCxn id="65" idx="2"/>
+            </p:cNvCxnSpPr>
+            <p:nvPr/>
+          </p:nvCxnSpPr>
+          <p:spPr>
+            <a:xfrm>
+              <a:off x="1871698" y="2291750"/>
+              <a:ext cx="0" cy="269661"/>
+            </a:xfrm>
+            <a:prstGeom prst="line">
+              <a:avLst/>
+            </a:prstGeom>
+          </p:spPr>
+          <p:style>
+            <a:lnRef idx="1">
+              <a:schemeClr val="accent1"/>
+            </a:lnRef>
+            <a:fillRef idx="0">
+              <a:schemeClr val="accent1"/>
+            </a:fillRef>
+            <a:effectRef idx="0">
+              <a:schemeClr val="accent1"/>
+            </a:effectRef>
+            <a:fontRef idx="minor">
+              <a:schemeClr val="tx1"/>
+            </a:fontRef>
+          </p:style>
+        </p:cxnSp>
+        <p:cxnSp>
+          <p:nvCxnSpPr>
+            <p:cNvPr id="67" name="직선 연결선 66"/>
+            <p:cNvCxnSpPr>
+              <a:endCxn id="64" idx="0"/>
+            </p:cNvCxnSpPr>
+            <p:nvPr/>
+          </p:nvCxnSpPr>
+          <p:spPr>
+            <a:xfrm>
+              <a:off x="1871698" y="4241551"/>
+              <a:ext cx="0" cy="412679"/>
+            </a:xfrm>
+            <a:prstGeom prst="line">
+              <a:avLst/>
+            </a:prstGeom>
+          </p:spPr>
+          <p:style>
+            <a:lnRef idx="1">
+              <a:schemeClr val="accent1"/>
+            </a:lnRef>
+            <a:fillRef idx="0">
+              <a:schemeClr val="accent1"/>
+            </a:fillRef>
+            <a:effectRef idx="0">
+              <a:schemeClr val="accent1"/>
+            </a:effectRef>
+            <a:fontRef idx="minor">
+              <a:schemeClr val="tx1"/>
+            </a:fontRef>
+          </p:style>
+        </p:cxnSp>
+        <p:cxnSp>
+          <p:nvCxnSpPr>
+            <p:cNvPr id="68" name="직선 연결선 67"/>
+            <p:cNvCxnSpPr>
+              <a:stCxn id="60" idx="3"/>
+              <a:endCxn id="62" idx="1"/>
+            </p:cNvCxnSpPr>
+            <p:nvPr/>
+          </p:nvCxnSpPr>
+          <p:spPr>
+            <a:xfrm>
+              <a:off x="3254320" y="3401481"/>
+              <a:ext cx="1024968" cy="0"/>
+            </a:xfrm>
+            <a:prstGeom prst="line">
+              <a:avLst/>
+            </a:prstGeom>
+          </p:spPr>
+          <p:style>
+            <a:lnRef idx="1">
+              <a:schemeClr val="accent1"/>
+            </a:lnRef>
+            <a:fillRef idx="0">
+              <a:schemeClr val="accent1"/>
+            </a:fillRef>
+            <a:effectRef idx="0">
+              <a:schemeClr val="accent1"/>
+            </a:effectRef>
+            <a:fontRef idx="minor">
+              <a:schemeClr val="tx1"/>
+            </a:fontRef>
+          </p:style>
+        </p:cxnSp>
+        <p:sp>
+          <p:nvSpPr>
+            <p:cNvPr id="69" name="TextBox 68"/>
+            <p:cNvSpPr txBox="1"/>
+            <p:nvPr/>
+          </p:nvSpPr>
+          <p:spPr>
+            <a:xfrm>
+              <a:off x="6497077" y="4009245"/>
+              <a:ext cx="336952" cy="338554"/>
+            </a:xfrm>
+            <a:prstGeom prst="rect">
+              <a:avLst/>
+            </a:prstGeom>
+            <a:noFill/>
+          </p:spPr>
+          <p:txBody>
+            <a:bodyPr wrap="none" rtlCol="0">
+              <a:spAutoFit/>
+            </a:bodyPr>
+            <a:lstStyle/>
+            <a:p>
+              <a:r>
+                <a:rPr lang="en-US" altLang="ko-KR" sz="1600" dirty="0" smtClean="0"/>
+                <a:t>…</a:t>
+              </a:r>
+              <a:endParaRPr lang="ko-KR" altLang="en-US" sz="1600" dirty="0"/>
+            </a:p>
+          </p:txBody>
+        </p:sp>
+        <p:sp>
+          <p:nvSpPr>
+            <p:cNvPr id="70" name="TextBox 69"/>
+            <p:cNvSpPr txBox="1"/>
+            <p:nvPr/>
+          </p:nvSpPr>
+          <p:spPr>
+            <a:xfrm>
+              <a:off x="3085844" y="6100304"/>
+              <a:ext cx="336952" cy="338554"/>
+            </a:xfrm>
+            <a:prstGeom prst="rect">
+              <a:avLst/>
+            </a:prstGeom>
+            <a:noFill/>
+          </p:spPr>
+          <p:txBody>
+            <a:bodyPr wrap="none" rtlCol="0">
+              <a:spAutoFit/>
+            </a:bodyPr>
+            <a:lstStyle/>
+            <a:p>
+              <a:r>
+                <a:rPr lang="en-US" altLang="ko-KR" sz="1600" dirty="0" smtClean="0"/>
+                <a:t>…</a:t>
+              </a:r>
+              <a:endParaRPr lang="ko-KR" altLang="en-US" sz="1600" dirty="0"/>
+            </a:p>
+          </p:txBody>
+        </p:sp>
+        <p:sp>
+          <p:nvSpPr>
+            <p:cNvPr id="71" name="직사각형 70"/>
+            <p:cNvSpPr/>
+            <p:nvPr/>
+          </p:nvSpPr>
+          <p:spPr>
+            <a:xfrm>
+              <a:off x="129353" y="338243"/>
+              <a:ext cx="3722567" cy="4109647"/>
+            </a:xfrm>
+            <a:prstGeom prst="rect">
+              <a:avLst/>
+            </a:prstGeom>
+            <a:noFill/>
+            <a:ln>
+              <a:solidFill>
+                <a:schemeClr val="accent5"/>
+              </a:solidFill>
+            </a:ln>
+          </p:spPr>
+          <p:style>
+            <a:lnRef idx="2">
+              <a:schemeClr val="accent1">
+                <a:shade val="50000"/>
+              </a:schemeClr>
+            </a:lnRef>
+            <a:fillRef idx="1">
+              <a:schemeClr val="accent1"/>
+            </a:fillRef>
+            <a:effectRef idx="0">
+              <a:schemeClr val="accent1"/>
+            </a:effectRef>
+            <a:fontRef idx="minor">
+              <a:schemeClr val="lt1"/>
+            </a:fontRef>
+          </p:style>
+          <p:txBody>
+            <a:bodyPr rtlCol="0" anchor="ctr"/>
+            <a:lstStyle/>
+            <a:p>
+              <a:pPr algn="ctr"/>
+              <a:endParaRPr lang="ko-KR" altLang="en-US" dirty="0"/>
+            </a:p>
+          </p:txBody>
+        </p:sp>
+        <p:sp>
+          <p:nvSpPr>
+            <p:cNvPr id="72" name="직사각형 71"/>
+            <p:cNvSpPr/>
+            <p:nvPr/>
+          </p:nvSpPr>
+          <p:spPr>
+            <a:xfrm>
+              <a:off x="461585" y="2393066"/>
+              <a:ext cx="7635405" cy="4325021"/>
+            </a:xfrm>
+            <a:prstGeom prst="rect">
+              <a:avLst/>
+            </a:prstGeom>
+            <a:noFill/>
+            <a:ln w="28575">
+              <a:solidFill>
+                <a:srgbClr val="FFC000"/>
+              </a:solidFill>
+            </a:ln>
+          </p:spPr>
+          <p:style>
+            <a:lnRef idx="2">
+              <a:schemeClr val="accent1">
+                <a:shade val="50000"/>
+              </a:schemeClr>
+            </a:lnRef>
+            <a:fillRef idx="1">
+              <a:schemeClr val="accent1"/>
+            </a:fillRef>
+            <a:effectRef idx="0">
+              <a:schemeClr val="accent1"/>
+            </a:effectRef>
+            <a:fontRef idx="minor">
+              <a:schemeClr val="lt1"/>
+            </a:fontRef>
+          </p:style>
+          <p:txBody>
+            <a:bodyPr rtlCol="0" anchor="ctr"/>
+            <a:lstStyle/>
+            <a:p>
+              <a:pPr algn="ctr"/>
+              <a:endParaRPr lang="ko-KR" altLang="en-US"/>
+            </a:p>
+          </p:txBody>
+        </p:sp>
+        <p:sp>
+          <p:nvSpPr>
+            <p:cNvPr id="73" name="직사각형 72"/>
+            <p:cNvSpPr/>
+            <p:nvPr/>
+          </p:nvSpPr>
+          <p:spPr>
+            <a:xfrm>
+              <a:off x="652465" y="522908"/>
+              <a:ext cx="1584176" cy="1584176"/>
+            </a:xfrm>
+            <a:prstGeom prst="rect">
+              <a:avLst/>
+            </a:prstGeom>
+            <a:solidFill>
+              <a:schemeClr val="accent5"/>
+            </a:solidFill>
+          </p:spPr>
+          <p:style>
+            <a:lnRef idx="2">
+              <a:schemeClr val="accent1">
+                <a:shade val="50000"/>
+              </a:schemeClr>
+            </a:lnRef>
+            <a:fillRef idx="1">
+              <a:schemeClr val="accent1"/>
+            </a:fillRef>
+            <a:effectRef idx="0">
+              <a:schemeClr val="accent1"/>
+            </a:effectRef>
+            <a:fontRef idx="minor">
+              <a:schemeClr val="lt1"/>
+            </a:fontRef>
+          </p:style>
+          <p:txBody>
+            <a:bodyPr rtlCol="0" anchor="ctr"/>
+            <a:lstStyle/>
+            <a:p>
+              <a:pPr algn="ctr"/>
+              <a:r>
+                <a:rPr lang="en-US" altLang="ko-KR" dirty="0" smtClean="0"/>
+                <a:t>View</a:t>
+              </a:r>
+              <a:endParaRPr lang="ko-KR" altLang="en-US" dirty="0"/>
+            </a:p>
+          </p:txBody>
+        </p:sp>
+      </p:grpSp>
+      <p:sp>
+        <p:nvSpPr>
+          <p:cNvPr id="74" name="TextBox 73"/>
+          <p:cNvSpPr txBox="1"/>
+          <p:nvPr/>
+        </p:nvSpPr>
+        <p:spPr>
+          <a:xfrm>
+            <a:off x="2393041" y="106926"/>
+            <a:ext cx="3309817" cy="369332"/>
+          </a:xfrm>
+          <a:prstGeom prst="rect">
+            <a:avLst/>
+          </a:prstGeom>
+          <a:noFill/>
+        </p:spPr>
+        <p:txBody>
+          <a:bodyPr wrap="none" rtlCol="0">
+            <a:spAutoFit/>
+          </a:bodyPr>
+          <a:lstStyle/>
+          <a:p>
+            <a:pPr algn="ctr"/>
+            <a:r>
+              <a:rPr lang="ko-KR" altLang="en-US" b="1" dirty="0" err="1" smtClean="0"/>
+              <a:t>프로젝트안의</a:t>
+            </a:r>
+            <a:r>
+              <a:rPr lang="ko-KR" altLang="en-US" b="1" dirty="0" smtClean="0"/>
+              <a:t> </a:t>
+            </a:r>
+            <a:r>
+              <a:rPr lang="en-US" altLang="ko-KR" b="1" dirty="0" smtClean="0"/>
+              <a:t>Story</a:t>
+            </a:r>
+            <a:r>
+              <a:rPr lang="ko-KR" altLang="en-US" b="1" dirty="0" smtClean="0"/>
+              <a:t>가 </a:t>
+            </a:r>
+            <a:r>
+              <a:rPr lang="ko-KR" altLang="en-US" b="1" dirty="0" smtClean="0"/>
+              <a:t>많다면</a:t>
+            </a:r>
+            <a:r>
+              <a:rPr lang="en-US" altLang="ko-KR" b="1" dirty="0" smtClean="0"/>
+              <a:t>!</a:t>
+            </a:r>
+            <a:endParaRPr lang="ko-KR" altLang="en-US" b="1" dirty="0"/>
+          </a:p>
+        </p:txBody>
+      </p:sp>
+      <p:sp>
+        <p:nvSpPr>
+          <p:cNvPr id="75" name="오른쪽 화살표 74"/>
+          <p:cNvSpPr/>
+          <p:nvPr/>
+        </p:nvSpPr>
+        <p:spPr>
+          <a:xfrm rot="2303857" flipV="1">
+            <a:off x="2753788" y="3884117"/>
+            <a:ext cx="3382823" cy="127034"/>
+          </a:xfrm>
+          <a:prstGeom prst="rightArrow">
+            <a:avLst/>
+          </a:prstGeom>
+        </p:spPr>
+        <p:style>
+          <a:lnRef idx="2">
+            <a:schemeClr val="accent4">
+              <a:shade val="50000"/>
+            </a:schemeClr>
+          </a:lnRef>
+          <a:fillRef idx="1">
+            <a:schemeClr val="accent4"/>
+          </a:fillRef>
+          <a:effectRef idx="0">
+            <a:schemeClr val="accent4"/>
+          </a:effectRef>
+          <a:fontRef idx="minor">
+            <a:schemeClr val="lt1"/>
+          </a:fontRef>
+        </p:style>
+        <p:txBody>
+          <a:bodyPr rtlCol="0" anchor="ctr"/>
+          <a:lstStyle/>
+          <a:p>
+            <a:pPr algn="ctr"/>
+            <a:endParaRPr lang="ko-KR" altLang="en-US"/>
+          </a:p>
+        </p:txBody>
+      </p:sp>
+      <p:sp>
+        <p:nvSpPr>
+          <p:cNvPr id="76" name="오른쪽 화살표 75"/>
+          <p:cNvSpPr/>
+          <p:nvPr/>
+        </p:nvSpPr>
+        <p:spPr>
+          <a:xfrm rot="8937631">
+            <a:off x="5240581" y="5445250"/>
+            <a:ext cx="1567260" cy="185608"/>
+          </a:xfrm>
+          <a:prstGeom prst="rightArrow">
+            <a:avLst/>
+          </a:prstGeom>
+        </p:spPr>
+        <p:style>
+          <a:lnRef idx="2">
+            <a:schemeClr val="accent4">
+              <a:shade val="50000"/>
+            </a:schemeClr>
+          </a:lnRef>
+          <a:fillRef idx="1">
+            <a:schemeClr val="accent4"/>
+          </a:fillRef>
+          <a:effectRef idx="0">
+            <a:schemeClr val="accent4"/>
+          </a:effectRef>
+          <a:fontRef idx="minor">
+            <a:schemeClr val="lt1"/>
+          </a:fontRef>
+        </p:style>
+        <p:txBody>
+          <a:bodyPr rtlCol="0" anchor="ctr"/>
+          <a:lstStyle/>
+          <a:p>
+            <a:pPr algn="ctr"/>
+            <a:endParaRPr lang="ko-KR" altLang="en-US"/>
+          </a:p>
+        </p:txBody>
+      </p:sp>
+      <p:sp>
+        <p:nvSpPr>
+          <p:cNvPr id="77" name="오른쪽 화살표 76"/>
+          <p:cNvSpPr/>
+          <p:nvPr/>
+        </p:nvSpPr>
+        <p:spPr>
+          <a:xfrm rot="15001574" flipV="1">
+            <a:off x="889553" y="5354992"/>
+            <a:ext cx="2178195" cy="162119"/>
+          </a:xfrm>
+          <a:prstGeom prst="rightArrow">
+            <a:avLst/>
+          </a:prstGeom>
+        </p:spPr>
+        <p:style>
+          <a:lnRef idx="2">
+            <a:schemeClr val="accent4">
+              <a:shade val="50000"/>
+            </a:schemeClr>
+          </a:lnRef>
+          <a:fillRef idx="1">
+            <a:schemeClr val="accent4"/>
+          </a:fillRef>
+          <a:effectRef idx="0">
+            <a:schemeClr val="accent4"/>
+          </a:effectRef>
+          <a:fontRef idx="minor">
+            <a:schemeClr val="lt1"/>
+          </a:fontRef>
+        </p:style>
+        <p:txBody>
+          <a:bodyPr rtlCol="0" anchor="ctr"/>
+          <a:lstStyle/>
+          <a:p>
+            <a:pPr algn="ctr"/>
+            <a:endParaRPr lang="ko-KR" altLang="en-US"/>
+          </a:p>
+        </p:txBody>
+      </p:sp>
+      <p:sp>
+        <p:nvSpPr>
+          <p:cNvPr id="78" name="오른쪽 화살표 77"/>
+          <p:cNvSpPr/>
+          <p:nvPr/>
+        </p:nvSpPr>
+        <p:spPr>
+          <a:xfrm rot="16441059" flipV="1">
+            <a:off x="7049462" y="2445473"/>
+            <a:ext cx="2451616" cy="192438"/>
+          </a:xfrm>
+          <a:prstGeom prst="rightArrow">
+            <a:avLst/>
+          </a:prstGeom>
+        </p:spPr>
+        <p:style>
+          <a:lnRef idx="2">
+            <a:schemeClr val="accent4">
+              <a:shade val="50000"/>
+            </a:schemeClr>
+          </a:lnRef>
+          <a:fillRef idx="1">
+            <a:schemeClr val="accent4"/>
+          </a:fillRef>
+          <a:effectRef idx="0">
+            <a:schemeClr val="accent4"/>
+          </a:effectRef>
+          <a:fontRef idx="minor">
+            <a:schemeClr val="lt1"/>
+          </a:fontRef>
+        </p:style>
+        <p:txBody>
+          <a:bodyPr rtlCol="0" anchor="ctr"/>
+          <a:lstStyle/>
+          <a:p>
+            <a:pPr algn="ctr"/>
+            <a:endParaRPr lang="ko-KR" altLang="en-US"/>
+          </a:p>
+        </p:txBody>
+      </p:sp>
+    </p:spTree>
+    <p:extLst>
+      <p:ext uri="{BB962C8B-B14F-4D97-AF65-F5344CB8AC3E}">
+        <p14:creationId xmlns:p14="http://schemas.microsoft.com/office/powerpoint/2010/main" val="3983210202"/>
       </p:ext>
     </p:extLst>
   </p:cSld>
